--- a/slide/0207_COVID-19_MedSharing.pptx
+++ b/slide/0207_COVID-19_MedSharing.pptx
@@ -10164,7 +10164,7 @@
                 <a:latin typeface="メイリオ" panose="020B0604030504040204" pitchFamily="50" charset="-128"/>
                 <a:ea typeface="メイリオ" panose="020B0604030504040204" pitchFamily="50" charset="-128"/>
               </a:rPr>
-              <a:t>都道府県は以下である。</a:t>
+              <a:t>都道府県はなかった。</a:t>
             </a:r>
             <a:endParaRPr lang="en-US" altLang="ja-JP" dirty="0">
               <a:latin typeface="メイリオ" panose="020B0604030504040204" pitchFamily="50" charset="-128"/>
@@ -10320,7 +10320,7 @@
                 <a:latin typeface="メイリオ" panose="020B0604030504040204" pitchFamily="50" charset="-128"/>
                 <a:ea typeface="メイリオ" panose="020B0604030504040204" pitchFamily="50" charset="-128"/>
               </a:rPr>
-              <a:t>07</a:t>
+              <a:t>08</a:t>
             </a:r>
             <a:r>
               <a:rPr lang="ja-JP" altLang="en-US">
